--- a/ppt 16-9/0212.天使报喜信.pptx
+++ b/ppt 16-9/0212.天使报喜信.pptx
@@ -5,7 +5,7 @@
     <p:sldMasterId id="2147483648" r:id="rId1"/>
   </p:sldMasterIdLst>
   <p:sldIdLst>
-    <p:sldId id="2859" r:id="rId2"/>
+    <p:sldId id="2861" r:id="rId2"/>
   </p:sldIdLst>
   <p:sldSz cx="12192000" cy="6858000"/>
   <p:notesSz cx="6858000" cy="9144000"/>
@@ -129,7 +129,7 @@
           <p:cNvPr id="2" name="标题 1">
             <a:extLst>
               <a:ext uri="{FF2B5EF4-FFF2-40B4-BE49-F238E27FC236}">
-                <a16:creationId xmlns:a16="http://schemas.microsoft.com/office/drawing/2014/main" id="{33D44E88-48F5-EC13-548A-8CA3E2721461}"/>
+                <a16:creationId xmlns:a16="http://schemas.microsoft.com/office/drawing/2014/main" id="{E7C8C88A-5894-4176-2991-A6B65C5FC0A6}"/>
               </a:ext>
             </a:extLst>
           </p:cNvPr>
@@ -166,7 +166,7 @@
           <p:cNvPr id="3" name="副标题 2">
             <a:extLst>
               <a:ext uri="{FF2B5EF4-FFF2-40B4-BE49-F238E27FC236}">
-                <a16:creationId xmlns:a16="http://schemas.microsoft.com/office/drawing/2014/main" id="{7E802D49-E835-E87F-8C78-53404E680518}"/>
+                <a16:creationId xmlns:a16="http://schemas.microsoft.com/office/drawing/2014/main" id="{AD961C31-18DB-C0C5-B2DE-39B07871A8A9}"/>
               </a:ext>
             </a:extLst>
           </p:cNvPr>
@@ -236,7 +236,7 @@
           <p:cNvPr id="4" name="日期占位符 3">
             <a:extLst>
               <a:ext uri="{FF2B5EF4-FFF2-40B4-BE49-F238E27FC236}">
-                <a16:creationId xmlns:a16="http://schemas.microsoft.com/office/drawing/2014/main" id="{5F6FE29E-0F42-0D35-2E32-8EF1297081A8}"/>
+                <a16:creationId xmlns:a16="http://schemas.microsoft.com/office/drawing/2014/main" id="{3C5B089D-9F93-316D-847C-D385A19D74FB}"/>
               </a:ext>
             </a:extLst>
           </p:cNvPr>
@@ -252,7 +252,7 @@
           <a:bodyPr/>
           <a:lstStyle/>
           <a:p>
-            <a:fld id="{B5AE23DF-EEF3-4CE5-8FAB-8D28A052B2F5}" type="datetimeFigureOut">
+            <a:fld id="{597C29E8-F0CA-4E60-8290-1EAAC5ECA5AE}" type="datetimeFigureOut">
               <a:rPr lang="zh-CN" altLang="en-US" smtClean="0"/>
               <a:t>2024/3/10</a:t>
             </a:fld>
@@ -265,7 +265,7 @@
           <p:cNvPr id="5" name="页脚占位符 4">
             <a:extLst>
               <a:ext uri="{FF2B5EF4-FFF2-40B4-BE49-F238E27FC236}">
-                <a16:creationId xmlns:a16="http://schemas.microsoft.com/office/drawing/2014/main" id="{51BBCB62-9FF6-DF43-1DED-5B77D4ADE55B}"/>
+                <a16:creationId xmlns:a16="http://schemas.microsoft.com/office/drawing/2014/main" id="{0E882022-C183-726B-B2FC-33839C92F008}"/>
               </a:ext>
             </a:extLst>
           </p:cNvPr>
@@ -290,7 +290,7 @@
           <p:cNvPr id="6" name="灯片编号占位符 5">
             <a:extLst>
               <a:ext uri="{FF2B5EF4-FFF2-40B4-BE49-F238E27FC236}">
-                <a16:creationId xmlns:a16="http://schemas.microsoft.com/office/drawing/2014/main" id="{71B27F7E-1F4E-9845-0BFC-A0593F125C59}"/>
+                <a16:creationId xmlns:a16="http://schemas.microsoft.com/office/drawing/2014/main" id="{03C8A9F6-445D-486C-FA9D-8A8F9036E81B}"/>
               </a:ext>
             </a:extLst>
           </p:cNvPr>
@@ -306,7 +306,7 @@
           <a:bodyPr/>
           <a:lstStyle/>
           <a:p>
-            <a:fld id="{0A0ADDF3-E007-444D-B866-B24196715D2F}" type="slidenum">
+            <a:fld id="{6F0B9391-C5D6-4A1B-8978-6C3D79ECC0DA}" type="slidenum">
               <a:rPr lang="zh-CN" altLang="en-US" smtClean="0"/>
               <a:t>‹#›</a:t>
             </a:fld>
@@ -317,7 +317,7 @@
     </p:spTree>
     <p:extLst>
       <p:ext uri="{BB962C8B-B14F-4D97-AF65-F5344CB8AC3E}">
-        <p14:creationId xmlns:p14="http://schemas.microsoft.com/office/powerpoint/2010/main" val="689753706"/>
+        <p14:creationId xmlns:p14="http://schemas.microsoft.com/office/powerpoint/2010/main" val="1746548397"/>
       </p:ext>
     </p:extLst>
   </p:cSld>
@@ -349,7 +349,7 @@
           <p:cNvPr id="2" name="标题 1">
             <a:extLst>
               <a:ext uri="{FF2B5EF4-FFF2-40B4-BE49-F238E27FC236}">
-                <a16:creationId xmlns:a16="http://schemas.microsoft.com/office/drawing/2014/main" id="{137B34FD-38E7-308F-FFF6-0E74AD3F208F}"/>
+                <a16:creationId xmlns:a16="http://schemas.microsoft.com/office/drawing/2014/main" id="{2A3C5396-4746-EB28-B713-90204810F223}"/>
               </a:ext>
             </a:extLst>
           </p:cNvPr>
@@ -377,7 +377,7 @@
           <p:cNvPr id="3" name="竖排文字占位符 2">
             <a:extLst>
               <a:ext uri="{FF2B5EF4-FFF2-40B4-BE49-F238E27FC236}">
-                <a16:creationId xmlns:a16="http://schemas.microsoft.com/office/drawing/2014/main" id="{1F33F832-D642-215D-3240-4F57561D18E4}"/>
+                <a16:creationId xmlns:a16="http://schemas.microsoft.com/office/drawing/2014/main" id="{134EA256-AF78-0C12-EBA3-72100DDEA752}"/>
               </a:ext>
             </a:extLst>
           </p:cNvPr>
@@ -434,7 +434,7 @@
           <p:cNvPr id="4" name="日期占位符 3">
             <a:extLst>
               <a:ext uri="{FF2B5EF4-FFF2-40B4-BE49-F238E27FC236}">
-                <a16:creationId xmlns:a16="http://schemas.microsoft.com/office/drawing/2014/main" id="{E4399595-3B68-7314-A52B-E5AF7DB11B43}"/>
+                <a16:creationId xmlns:a16="http://schemas.microsoft.com/office/drawing/2014/main" id="{8CB1FBC1-5333-975D-C7B0-636A9F4376F6}"/>
               </a:ext>
             </a:extLst>
           </p:cNvPr>
@@ -450,7 +450,7 @@
           <a:bodyPr/>
           <a:lstStyle/>
           <a:p>
-            <a:fld id="{B5AE23DF-EEF3-4CE5-8FAB-8D28A052B2F5}" type="datetimeFigureOut">
+            <a:fld id="{597C29E8-F0CA-4E60-8290-1EAAC5ECA5AE}" type="datetimeFigureOut">
               <a:rPr lang="zh-CN" altLang="en-US" smtClean="0"/>
               <a:t>2024/3/10</a:t>
             </a:fld>
@@ -463,7 +463,7 @@
           <p:cNvPr id="5" name="页脚占位符 4">
             <a:extLst>
               <a:ext uri="{FF2B5EF4-FFF2-40B4-BE49-F238E27FC236}">
-                <a16:creationId xmlns:a16="http://schemas.microsoft.com/office/drawing/2014/main" id="{DCB08FFE-E0E4-55F6-A81A-1344B9DFB48E}"/>
+                <a16:creationId xmlns:a16="http://schemas.microsoft.com/office/drawing/2014/main" id="{301F5593-A90A-B1D5-F92E-2DFA972A8BCA}"/>
               </a:ext>
             </a:extLst>
           </p:cNvPr>
@@ -488,7 +488,7 @@
           <p:cNvPr id="6" name="灯片编号占位符 5">
             <a:extLst>
               <a:ext uri="{FF2B5EF4-FFF2-40B4-BE49-F238E27FC236}">
-                <a16:creationId xmlns:a16="http://schemas.microsoft.com/office/drawing/2014/main" id="{58E7C634-4296-8DD3-49E4-438C7FBD6B47}"/>
+                <a16:creationId xmlns:a16="http://schemas.microsoft.com/office/drawing/2014/main" id="{46F7AE49-569F-B375-659E-231E39E39B5A}"/>
               </a:ext>
             </a:extLst>
           </p:cNvPr>
@@ -504,7 +504,7 @@
           <a:bodyPr/>
           <a:lstStyle/>
           <a:p>
-            <a:fld id="{0A0ADDF3-E007-444D-B866-B24196715D2F}" type="slidenum">
+            <a:fld id="{6F0B9391-C5D6-4A1B-8978-6C3D79ECC0DA}" type="slidenum">
               <a:rPr lang="zh-CN" altLang="en-US" smtClean="0"/>
               <a:t>‹#›</a:t>
             </a:fld>
@@ -515,7 +515,7 @@
     </p:spTree>
     <p:extLst>
       <p:ext uri="{BB962C8B-B14F-4D97-AF65-F5344CB8AC3E}">
-        <p14:creationId xmlns:p14="http://schemas.microsoft.com/office/powerpoint/2010/main" val="455115216"/>
+        <p14:creationId xmlns:p14="http://schemas.microsoft.com/office/powerpoint/2010/main" val="499371359"/>
       </p:ext>
     </p:extLst>
   </p:cSld>
@@ -547,7 +547,7 @@
           <p:cNvPr id="2" name="竖排标题 1">
             <a:extLst>
               <a:ext uri="{FF2B5EF4-FFF2-40B4-BE49-F238E27FC236}">
-                <a16:creationId xmlns:a16="http://schemas.microsoft.com/office/drawing/2014/main" id="{5F68E91B-D32A-0E77-5809-4AA3CD5C6BF3}"/>
+                <a16:creationId xmlns:a16="http://schemas.microsoft.com/office/drawing/2014/main" id="{34AA00B3-421B-2DAB-3C57-8638393AD1A2}"/>
               </a:ext>
             </a:extLst>
           </p:cNvPr>
@@ -580,7 +580,7 @@
           <p:cNvPr id="3" name="竖排文字占位符 2">
             <a:extLst>
               <a:ext uri="{FF2B5EF4-FFF2-40B4-BE49-F238E27FC236}">
-                <a16:creationId xmlns:a16="http://schemas.microsoft.com/office/drawing/2014/main" id="{FDACB109-D936-137C-93D5-1D2E0EA8FCB3}"/>
+                <a16:creationId xmlns:a16="http://schemas.microsoft.com/office/drawing/2014/main" id="{FC0E998A-F3E9-E4C1-5EE0-02BE27147A46}"/>
               </a:ext>
             </a:extLst>
           </p:cNvPr>
@@ -642,7 +642,7 @@
           <p:cNvPr id="4" name="日期占位符 3">
             <a:extLst>
               <a:ext uri="{FF2B5EF4-FFF2-40B4-BE49-F238E27FC236}">
-                <a16:creationId xmlns:a16="http://schemas.microsoft.com/office/drawing/2014/main" id="{80EE8485-BE90-7D6B-C68C-5518B339BF30}"/>
+                <a16:creationId xmlns:a16="http://schemas.microsoft.com/office/drawing/2014/main" id="{FA10CA94-18D1-B4EF-59E2-1E2253328B41}"/>
               </a:ext>
             </a:extLst>
           </p:cNvPr>
@@ -658,7 +658,7 @@
           <a:bodyPr/>
           <a:lstStyle/>
           <a:p>
-            <a:fld id="{B5AE23DF-EEF3-4CE5-8FAB-8D28A052B2F5}" type="datetimeFigureOut">
+            <a:fld id="{597C29E8-F0CA-4E60-8290-1EAAC5ECA5AE}" type="datetimeFigureOut">
               <a:rPr lang="zh-CN" altLang="en-US" smtClean="0"/>
               <a:t>2024/3/10</a:t>
             </a:fld>
@@ -671,7 +671,7 @@
           <p:cNvPr id="5" name="页脚占位符 4">
             <a:extLst>
               <a:ext uri="{FF2B5EF4-FFF2-40B4-BE49-F238E27FC236}">
-                <a16:creationId xmlns:a16="http://schemas.microsoft.com/office/drawing/2014/main" id="{B6404DBC-568D-C09C-126B-A7F1607FD71A}"/>
+                <a16:creationId xmlns:a16="http://schemas.microsoft.com/office/drawing/2014/main" id="{EFA692A7-765A-DDD4-D6BF-52A429E4AD5C}"/>
               </a:ext>
             </a:extLst>
           </p:cNvPr>
@@ -696,7 +696,7 @@
           <p:cNvPr id="6" name="灯片编号占位符 5">
             <a:extLst>
               <a:ext uri="{FF2B5EF4-FFF2-40B4-BE49-F238E27FC236}">
-                <a16:creationId xmlns:a16="http://schemas.microsoft.com/office/drawing/2014/main" id="{29807ACF-1AAD-3559-EDA9-A5B59E309FE6}"/>
+                <a16:creationId xmlns:a16="http://schemas.microsoft.com/office/drawing/2014/main" id="{06B159C1-38B7-83BF-191C-E31F6382C153}"/>
               </a:ext>
             </a:extLst>
           </p:cNvPr>
@@ -712,7 +712,7 @@
           <a:bodyPr/>
           <a:lstStyle/>
           <a:p>
-            <a:fld id="{0A0ADDF3-E007-444D-B866-B24196715D2F}" type="slidenum">
+            <a:fld id="{6F0B9391-C5D6-4A1B-8978-6C3D79ECC0DA}" type="slidenum">
               <a:rPr lang="zh-CN" altLang="en-US" smtClean="0"/>
               <a:t>‹#›</a:t>
             </a:fld>
@@ -723,7 +723,7 @@
     </p:spTree>
     <p:extLst>
       <p:ext uri="{BB962C8B-B14F-4D97-AF65-F5344CB8AC3E}">
-        <p14:creationId xmlns:p14="http://schemas.microsoft.com/office/powerpoint/2010/main" val="4219004818"/>
+        <p14:creationId xmlns:p14="http://schemas.microsoft.com/office/powerpoint/2010/main" val="1424485602"/>
       </p:ext>
     </p:extLst>
   </p:cSld>
@@ -755,7 +755,7 @@
           <p:cNvPr id="2" name="标题 1">
             <a:extLst>
               <a:ext uri="{FF2B5EF4-FFF2-40B4-BE49-F238E27FC236}">
-                <a16:creationId xmlns:a16="http://schemas.microsoft.com/office/drawing/2014/main" id="{69553D50-A503-EC74-CB9B-494920C0C24F}"/>
+                <a16:creationId xmlns:a16="http://schemas.microsoft.com/office/drawing/2014/main" id="{4F750E76-282A-8153-E25A-5DCB62AE6DB4}"/>
               </a:ext>
             </a:extLst>
           </p:cNvPr>
@@ -783,7 +783,7 @@
           <p:cNvPr id="3" name="内容占位符 2">
             <a:extLst>
               <a:ext uri="{FF2B5EF4-FFF2-40B4-BE49-F238E27FC236}">
-                <a16:creationId xmlns:a16="http://schemas.microsoft.com/office/drawing/2014/main" id="{69A73E2F-C8F1-76C5-EC23-FCA832225A30}"/>
+                <a16:creationId xmlns:a16="http://schemas.microsoft.com/office/drawing/2014/main" id="{60FBF054-822C-4A50-B156-428ABEBAD156}"/>
               </a:ext>
             </a:extLst>
           </p:cNvPr>
@@ -840,7 +840,7 @@
           <p:cNvPr id="4" name="日期占位符 3">
             <a:extLst>
               <a:ext uri="{FF2B5EF4-FFF2-40B4-BE49-F238E27FC236}">
-                <a16:creationId xmlns:a16="http://schemas.microsoft.com/office/drawing/2014/main" id="{CB8772E2-A0E5-814B-C6CF-E6708A33B152}"/>
+                <a16:creationId xmlns:a16="http://schemas.microsoft.com/office/drawing/2014/main" id="{AFEE58D3-87CB-167A-5AD8-070643B1E125}"/>
               </a:ext>
             </a:extLst>
           </p:cNvPr>
@@ -856,7 +856,7 @@
           <a:bodyPr/>
           <a:lstStyle/>
           <a:p>
-            <a:fld id="{B5AE23DF-EEF3-4CE5-8FAB-8D28A052B2F5}" type="datetimeFigureOut">
+            <a:fld id="{597C29E8-F0CA-4E60-8290-1EAAC5ECA5AE}" type="datetimeFigureOut">
               <a:rPr lang="zh-CN" altLang="en-US" smtClean="0"/>
               <a:t>2024/3/10</a:t>
             </a:fld>
@@ -869,7 +869,7 @@
           <p:cNvPr id="5" name="页脚占位符 4">
             <a:extLst>
               <a:ext uri="{FF2B5EF4-FFF2-40B4-BE49-F238E27FC236}">
-                <a16:creationId xmlns:a16="http://schemas.microsoft.com/office/drawing/2014/main" id="{6574CE3E-4417-F13E-50ED-203B1318AFD1}"/>
+                <a16:creationId xmlns:a16="http://schemas.microsoft.com/office/drawing/2014/main" id="{1D31FC67-58C5-69B7-5488-43FBB40DDA6B}"/>
               </a:ext>
             </a:extLst>
           </p:cNvPr>
@@ -894,7 +894,7 @@
           <p:cNvPr id="6" name="灯片编号占位符 5">
             <a:extLst>
               <a:ext uri="{FF2B5EF4-FFF2-40B4-BE49-F238E27FC236}">
-                <a16:creationId xmlns:a16="http://schemas.microsoft.com/office/drawing/2014/main" id="{02C12626-344E-F1A8-BE6B-57669A3F74A2}"/>
+                <a16:creationId xmlns:a16="http://schemas.microsoft.com/office/drawing/2014/main" id="{C8027945-85C4-CBAB-836A-6A3855646467}"/>
               </a:ext>
             </a:extLst>
           </p:cNvPr>
@@ -910,7 +910,7 @@
           <a:bodyPr/>
           <a:lstStyle/>
           <a:p>
-            <a:fld id="{0A0ADDF3-E007-444D-B866-B24196715D2F}" type="slidenum">
+            <a:fld id="{6F0B9391-C5D6-4A1B-8978-6C3D79ECC0DA}" type="slidenum">
               <a:rPr lang="zh-CN" altLang="en-US" smtClean="0"/>
               <a:t>‹#›</a:t>
             </a:fld>
@@ -921,7 +921,7 @@
     </p:spTree>
     <p:extLst>
       <p:ext uri="{BB962C8B-B14F-4D97-AF65-F5344CB8AC3E}">
-        <p14:creationId xmlns:p14="http://schemas.microsoft.com/office/powerpoint/2010/main" val="1587272118"/>
+        <p14:creationId xmlns:p14="http://schemas.microsoft.com/office/powerpoint/2010/main" val="675843387"/>
       </p:ext>
     </p:extLst>
   </p:cSld>
@@ -953,7 +953,7 @@
           <p:cNvPr id="2" name="标题 1">
             <a:extLst>
               <a:ext uri="{FF2B5EF4-FFF2-40B4-BE49-F238E27FC236}">
-                <a16:creationId xmlns:a16="http://schemas.microsoft.com/office/drawing/2014/main" id="{B1B90E56-3C65-3B44-8F83-A1ADAAD323F7}"/>
+                <a16:creationId xmlns:a16="http://schemas.microsoft.com/office/drawing/2014/main" id="{AE38C4A8-F791-3ACB-D1F2-86D64E532262}"/>
               </a:ext>
             </a:extLst>
           </p:cNvPr>
@@ -990,7 +990,7 @@
           <p:cNvPr id="3" name="文本占位符 2">
             <a:extLst>
               <a:ext uri="{FF2B5EF4-FFF2-40B4-BE49-F238E27FC236}">
-                <a16:creationId xmlns:a16="http://schemas.microsoft.com/office/drawing/2014/main" id="{52D4592D-3095-E2E0-1F99-6BA91FB9071A}"/>
+                <a16:creationId xmlns:a16="http://schemas.microsoft.com/office/drawing/2014/main" id="{3ECF019C-DABA-1D17-0ABE-4FA666F4552B}"/>
               </a:ext>
             </a:extLst>
           </p:cNvPr>
@@ -1115,7 +1115,7 @@
           <p:cNvPr id="4" name="日期占位符 3">
             <a:extLst>
               <a:ext uri="{FF2B5EF4-FFF2-40B4-BE49-F238E27FC236}">
-                <a16:creationId xmlns:a16="http://schemas.microsoft.com/office/drawing/2014/main" id="{E79D25C7-A74B-7513-53D4-C1AD13B4FD03}"/>
+                <a16:creationId xmlns:a16="http://schemas.microsoft.com/office/drawing/2014/main" id="{2F583895-4EFD-796D-5267-A6901B987FF1}"/>
               </a:ext>
             </a:extLst>
           </p:cNvPr>
@@ -1131,7 +1131,7 @@
           <a:bodyPr/>
           <a:lstStyle/>
           <a:p>
-            <a:fld id="{B5AE23DF-EEF3-4CE5-8FAB-8D28A052B2F5}" type="datetimeFigureOut">
+            <a:fld id="{597C29E8-F0CA-4E60-8290-1EAAC5ECA5AE}" type="datetimeFigureOut">
               <a:rPr lang="zh-CN" altLang="en-US" smtClean="0"/>
               <a:t>2024/3/10</a:t>
             </a:fld>
@@ -1144,7 +1144,7 @@
           <p:cNvPr id="5" name="页脚占位符 4">
             <a:extLst>
               <a:ext uri="{FF2B5EF4-FFF2-40B4-BE49-F238E27FC236}">
-                <a16:creationId xmlns:a16="http://schemas.microsoft.com/office/drawing/2014/main" id="{02E169B7-AAF7-D4DC-303F-E31C0240F9E0}"/>
+                <a16:creationId xmlns:a16="http://schemas.microsoft.com/office/drawing/2014/main" id="{8FD836CE-4D92-7913-9DBD-FED05509BEDB}"/>
               </a:ext>
             </a:extLst>
           </p:cNvPr>
@@ -1169,7 +1169,7 @@
           <p:cNvPr id="6" name="灯片编号占位符 5">
             <a:extLst>
               <a:ext uri="{FF2B5EF4-FFF2-40B4-BE49-F238E27FC236}">
-                <a16:creationId xmlns:a16="http://schemas.microsoft.com/office/drawing/2014/main" id="{F2F66BC3-49C4-C1FC-C5A9-BC69322D99A6}"/>
+                <a16:creationId xmlns:a16="http://schemas.microsoft.com/office/drawing/2014/main" id="{1990B761-ABA5-B267-CC39-68ADD2F2EFA8}"/>
               </a:ext>
             </a:extLst>
           </p:cNvPr>
@@ -1185,7 +1185,7 @@
           <a:bodyPr/>
           <a:lstStyle/>
           <a:p>
-            <a:fld id="{0A0ADDF3-E007-444D-B866-B24196715D2F}" type="slidenum">
+            <a:fld id="{6F0B9391-C5D6-4A1B-8978-6C3D79ECC0DA}" type="slidenum">
               <a:rPr lang="zh-CN" altLang="en-US" smtClean="0"/>
               <a:t>‹#›</a:t>
             </a:fld>
@@ -1196,7 +1196,7 @@
     </p:spTree>
     <p:extLst>
       <p:ext uri="{BB962C8B-B14F-4D97-AF65-F5344CB8AC3E}">
-        <p14:creationId xmlns:p14="http://schemas.microsoft.com/office/powerpoint/2010/main" val="2888513679"/>
+        <p14:creationId xmlns:p14="http://schemas.microsoft.com/office/powerpoint/2010/main" val="348484449"/>
       </p:ext>
     </p:extLst>
   </p:cSld>
@@ -1228,7 +1228,7 @@
           <p:cNvPr id="2" name="标题 1">
             <a:extLst>
               <a:ext uri="{FF2B5EF4-FFF2-40B4-BE49-F238E27FC236}">
-                <a16:creationId xmlns:a16="http://schemas.microsoft.com/office/drawing/2014/main" id="{3BF20B1B-7D65-F7E1-3759-EF7CEE525370}"/>
+                <a16:creationId xmlns:a16="http://schemas.microsoft.com/office/drawing/2014/main" id="{BA3A0C47-7A59-2D38-DCA1-A7FFD1D25C33}"/>
               </a:ext>
             </a:extLst>
           </p:cNvPr>
@@ -1256,7 +1256,7 @@
           <p:cNvPr id="3" name="内容占位符 2">
             <a:extLst>
               <a:ext uri="{FF2B5EF4-FFF2-40B4-BE49-F238E27FC236}">
-                <a16:creationId xmlns:a16="http://schemas.microsoft.com/office/drawing/2014/main" id="{74172FC4-B990-DCFE-83FA-68289EA4A693}"/>
+                <a16:creationId xmlns:a16="http://schemas.microsoft.com/office/drawing/2014/main" id="{F597BFE3-20F5-BF6D-EA10-A92A7E8F7CF2}"/>
               </a:ext>
             </a:extLst>
           </p:cNvPr>
@@ -1318,7 +1318,7 @@
           <p:cNvPr id="4" name="内容占位符 3">
             <a:extLst>
               <a:ext uri="{FF2B5EF4-FFF2-40B4-BE49-F238E27FC236}">
-                <a16:creationId xmlns:a16="http://schemas.microsoft.com/office/drawing/2014/main" id="{B006693C-6205-E8D1-C63A-B7A7D5F80A11}"/>
+                <a16:creationId xmlns:a16="http://schemas.microsoft.com/office/drawing/2014/main" id="{954EC0EC-BBC5-604C-3D03-4D8A4B5B1456}"/>
               </a:ext>
             </a:extLst>
           </p:cNvPr>
@@ -1380,7 +1380,7 @@
           <p:cNvPr id="5" name="日期占位符 4">
             <a:extLst>
               <a:ext uri="{FF2B5EF4-FFF2-40B4-BE49-F238E27FC236}">
-                <a16:creationId xmlns:a16="http://schemas.microsoft.com/office/drawing/2014/main" id="{58A8F2D3-3312-67DE-8915-75CA6B45F2AD}"/>
+                <a16:creationId xmlns:a16="http://schemas.microsoft.com/office/drawing/2014/main" id="{D2C24151-6627-A434-628F-BBD986237DC1}"/>
               </a:ext>
             </a:extLst>
           </p:cNvPr>
@@ -1396,7 +1396,7 @@
           <a:bodyPr/>
           <a:lstStyle/>
           <a:p>
-            <a:fld id="{B5AE23DF-EEF3-4CE5-8FAB-8D28A052B2F5}" type="datetimeFigureOut">
+            <a:fld id="{597C29E8-F0CA-4E60-8290-1EAAC5ECA5AE}" type="datetimeFigureOut">
               <a:rPr lang="zh-CN" altLang="en-US" smtClean="0"/>
               <a:t>2024/3/10</a:t>
             </a:fld>
@@ -1409,7 +1409,7 @@
           <p:cNvPr id="6" name="页脚占位符 5">
             <a:extLst>
               <a:ext uri="{FF2B5EF4-FFF2-40B4-BE49-F238E27FC236}">
-                <a16:creationId xmlns:a16="http://schemas.microsoft.com/office/drawing/2014/main" id="{BB50DFD2-0EA9-DB88-F873-7A158D969D70}"/>
+                <a16:creationId xmlns:a16="http://schemas.microsoft.com/office/drawing/2014/main" id="{10DCB28A-170E-38E9-874A-08C102FCE4EC}"/>
               </a:ext>
             </a:extLst>
           </p:cNvPr>
@@ -1434,7 +1434,7 @@
           <p:cNvPr id="7" name="灯片编号占位符 6">
             <a:extLst>
               <a:ext uri="{FF2B5EF4-FFF2-40B4-BE49-F238E27FC236}">
-                <a16:creationId xmlns:a16="http://schemas.microsoft.com/office/drawing/2014/main" id="{37FFE1A0-FC45-0D72-E5A7-669B5D147CD3}"/>
+                <a16:creationId xmlns:a16="http://schemas.microsoft.com/office/drawing/2014/main" id="{B20E001B-01DC-2F56-6C42-79817405B406}"/>
               </a:ext>
             </a:extLst>
           </p:cNvPr>
@@ -1450,7 +1450,7 @@
           <a:bodyPr/>
           <a:lstStyle/>
           <a:p>
-            <a:fld id="{0A0ADDF3-E007-444D-B866-B24196715D2F}" type="slidenum">
+            <a:fld id="{6F0B9391-C5D6-4A1B-8978-6C3D79ECC0DA}" type="slidenum">
               <a:rPr lang="zh-CN" altLang="en-US" smtClean="0"/>
               <a:t>‹#›</a:t>
             </a:fld>
@@ -1461,7 +1461,7 @@
     </p:spTree>
     <p:extLst>
       <p:ext uri="{BB962C8B-B14F-4D97-AF65-F5344CB8AC3E}">
-        <p14:creationId xmlns:p14="http://schemas.microsoft.com/office/powerpoint/2010/main" val="1964078946"/>
+        <p14:creationId xmlns:p14="http://schemas.microsoft.com/office/powerpoint/2010/main" val="3830179771"/>
       </p:ext>
     </p:extLst>
   </p:cSld>
@@ -1493,7 +1493,7 @@
           <p:cNvPr id="2" name="标题 1">
             <a:extLst>
               <a:ext uri="{FF2B5EF4-FFF2-40B4-BE49-F238E27FC236}">
-                <a16:creationId xmlns:a16="http://schemas.microsoft.com/office/drawing/2014/main" id="{AFFFE147-167E-9E43-F9DE-EF7D5F229769}"/>
+                <a16:creationId xmlns:a16="http://schemas.microsoft.com/office/drawing/2014/main" id="{D3F24D64-3D05-79D3-4369-29F45DD3125C}"/>
               </a:ext>
             </a:extLst>
           </p:cNvPr>
@@ -1526,7 +1526,7 @@
           <p:cNvPr id="3" name="文本占位符 2">
             <a:extLst>
               <a:ext uri="{FF2B5EF4-FFF2-40B4-BE49-F238E27FC236}">
-                <a16:creationId xmlns:a16="http://schemas.microsoft.com/office/drawing/2014/main" id="{2DDD152B-2E62-6FAB-2E7B-3478C1E32540}"/>
+                <a16:creationId xmlns:a16="http://schemas.microsoft.com/office/drawing/2014/main" id="{DC3717DB-7822-869E-0FD3-500304989763}"/>
               </a:ext>
             </a:extLst>
           </p:cNvPr>
@@ -1597,7 +1597,7 @@
           <p:cNvPr id="4" name="内容占位符 3">
             <a:extLst>
               <a:ext uri="{FF2B5EF4-FFF2-40B4-BE49-F238E27FC236}">
-                <a16:creationId xmlns:a16="http://schemas.microsoft.com/office/drawing/2014/main" id="{B3000901-B6B2-8982-22F9-8ECB15D241F5}"/>
+                <a16:creationId xmlns:a16="http://schemas.microsoft.com/office/drawing/2014/main" id="{BBCDC911-AD42-D74C-A417-852AA897E25F}"/>
               </a:ext>
             </a:extLst>
           </p:cNvPr>
@@ -1659,7 +1659,7 @@
           <p:cNvPr id="5" name="文本占位符 4">
             <a:extLst>
               <a:ext uri="{FF2B5EF4-FFF2-40B4-BE49-F238E27FC236}">
-                <a16:creationId xmlns:a16="http://schemas.microsoft.com/office/drawing/2014/main" id="{F5395521-A36F-6047-4C65-0D6CD8F39F0C}"/>
+                <a16:creationId xmlns:a16="http://schemas.microsoft.com/office/drawing/2014/main" id="{8BE3423B-D02C-A0DD-73FE-971637DAADC9}"/>
               </a:ext>
             </a:extLst>
           </p:cNvPr>
@@ -1730,7 +1730,7 @@
           <p:cNvPr id="6" name="内容占位符 5">
             <a:extLst>
               <a:ext uri="{FF2B5EF4-FFF2-40B4-BE49-F238E27FC236}">
-                <a16:creationId xmlns:a16="http://schemas.microsoft.com/office/drawing/2014/main" id="{6B74A1BD-9288-F31F-6F33-E070CE34C085}"/>
+                <a16:creationId xmlns:a16="http://schemas.microsoft.com/office/drawing/2014/main" id="{2EA92C96-C531-736E-CA06-6B8B01067E11}"/>
               </a:ext>
             </a:extLst>
           </p:cNvPr>
@@ -1792,7 +1792,7 @@
           <p:cNvPr id="7" name="日期占位符 6">
             <a:extLst>
               <a:ext uri="{FF2B5EF4-FFF2-40B4-BE49-F238E27FC236}">
-                <a16:creationId xmlns:a16="http://schemas.microsoft.com/office/drawing/2014/main" id="{01CBE124-0251-ABC5-52AD-B8146E9C1B62}"/>
+                <a16:creationId xmlns:a16="http://schemas.microsoft.com/office/drawing/2014/main" id="{60510033-3D54-FACA-F36C-F8B0827888C5}"/>
               </a:ext>
             </a:extLst>
           </p:cNvPr>
@@ -1808,7 +1808,7 @@
           <a:bodyPr/>
           <a:lstStyle/>
           <a:p>
-            <a:fld id="{B5AE23DF-EEF3-4CE5-8FAB-8D28A052B2F5}" type="datetimeFigureOut">
+            <a:fld id="{597C29E8-F0CA-4E60-8290-1EAAC5ECA5AE}" type="datetimeFigureOut">
               <a:rPr lang="zh-CN" altLang="en-US" smtClean="0"/>
               <a:t>2024/3/10</a:t>
             </a:fld>
@@ -1821,7 +1821,7 @@
           <p:cNvPr id="8" name="页脚占位符 7">
             <a:extLst>
               <a:ext uri="{FF2B5EF4-FFF2-40B4-BE49-F238E27FC236}">
-                <a16:creationId xmlns:a16="http://schemas.microsoft.com/office/drawing/2014/main" id="{A0BCFC1C-920C-EAF5-9EA9-9A81C40A65C0}"/>
+                <a16:creationId xmlns:a16="http://schemas.microsoft.com/office/drawing/2014/main" id="{ABCAF1F8-609E-3210-C908-EA069131864C}"/>
               </a:ext>
             </a:extLst>
           </p:cNvPr>
@@ -1846,7 +1846,7 @@
           <p:cNvPr id="9" name="灯片编号占位符 8">
             <a:extLst>
               <a:ext uri="{FF2B5EF4-FFF2-40B4-BE49-F238E27FC236}">
-                <a16:creationId xmlns:a16="http://schemas.microsoft.com/office/drawing/2014/main" id="{D55CBF20-CADC-18B2-377C-3E51FEA9FE8F}"/>
+                <a16:creationId xmlns:a16="http://schemas.microsoft.com/office/drawing/2014/main" id="{1AA5D2AD-0873-5450-DE7B-9C0B6F0571F8}"/>
               </a:ext>
             </a:extLst>
           </p:cNvPr>
@@ -1862,7 +1862,7 @@
           <a:bodyPr/>
           <a:lstStyle/>
           <a:p>
-            <a:fld id="{0A0ADDF3-E007-444D-B866-B24196715D2F}" type="slidenum">
+            <a:fld id="{6F0B9391-C5D6-4A1B-8978-6C3D79ECC0DA}" type="slidenum">
               <a:rPr lang="zh-CN" altLang="en-US" smtClean="0"/>
               <a:t>‹#›</a:t>
             </a:fld>
@@ -1873,7 +1873,7 @@
     </p:spTree>
     <p:extLst>
       <p:ext uri="{BB962C8B-B14F-4D97-AF65-F5344CB8AC3E}">
-        <p14:creationId xmlns:p14="http://schemas.microsoft.com/office/powerpoint/2010/main" val="1012932370"/>
+        <p14:creationId xmlns:p14="http://schemas.microsoft.com/office/powerpoint/2010/main" val="857312492"/>
       </p:ext>
     </p:extLst>
   </p:cSld>
@@ -1905,7 +1905,7 @@
           <p:cNvPr id="2" name="标题 1">
             <a:extLst>
               <a:ext uri="{FF2B5EF4-FFF2-40B4-BE49-F238E27FC236}">
-                <a16:creationId xmlns:a16="http://schemas.microsoft.com/office/drawing/2014/main" id="{510C9ADA-ADA4-8838-1B91-FBB9D91D0FD3}"/>
+                <a16:creationId xmlns:a16="http://schemas.microsoft.com/office/drawing/2014/main" id="{B3DEE1B2-4580-7AF6-836A-98E8828BDA67}"/>
               </a:ext>
             </a:extLst>
           </p:cNvPr>
@@ -1933,7 +1933,7 @@
           <p:cNvPr id="3" name="日期占位符 2">
             <a:extLst>
               <a:ext uri="{FF2B5EF4-FFF2-40B4-BE49-F238E27FC236}">
-                <a16:creationId xmlns:a16="http://schemas.microsoft.com/office/drawing/2014/main" id="{1298A88B-A99E-CDA9-2778-F97510C5B38F}"/>
+                <a16:creationId xmlns:a16="http://schemas.microsoft.com/office/drawing/2014/main" id="{B6B0DFA5-DF52-0EF2-9EFE-4F1E66E776EA}"/>
               </a:ext>
             </a:extLst>
           </p:cNvPr>
@@ -1949,7 +1949,7 @@
           <a:bodyPr/>
           <a:lstStyle/>
           <a:p>
-            <a:fld id="{B5AE23DF-EEF3-4CE5-8FAB-8D28A052B2F5}" type="datetimeFigureOut">
+            <a:fld id="{597C29E8-F0CA-4E60-8290-1EAAC5ECA5AE}" type="datetimeFigureOut">
               <a:rPr lang="zh-CN" altLang="en-US" smtClean="0"/>
               <a:t>2024/3/10</a:t>
             </a:fld>
@@ -1962,7 +1962,7 @@
           <p:cNvPr id="4" name="页脚占位符 3">
             <a:extLst>
               <a:ext uri="{FF2B5EF4-FFF2-40B4-BE49-F238E27FC236}">
-                <a16:creationId xmlns:a16="http://schemas.microsoft.com/office/drawing/2014/main" id="{0E4DAA4E-70A0-A122-0C27-4B5C13C4EC11}"/>
+                <a16:creationId xmlns:a16="http://schemas.microsoft.com/office/drawing/2014/main" id="{49259A4C-6754-A9F2-F0A3-89C5618FA73C}"/>
               </a:ext>
             </a:extLst>
           </p:cNvPr>
@@ -1987,7 +1987,7 @@
           <p:cNvPr id="5" name="灯片编号占位符 4">
             <a:extLst>
               <a:ext uri="{FF2B5EF4-FFF2-40B4-BE49-F238E27FC236}">
-                <a16:creationId xmlns:a16="http://schemas.microsoft.com/office/drawing/2014/main" id="{65DEE268-FB24-C8C0-E454-9259D0732072}"/>
+                <a16:creationId xmlns:a16="http://schemas.microsoft.com/office/drawing/2014/main" id="{F72D86D0-1B61-807E-311E-DCAFBE321C68}"/>
               </a:ext>
             </a:extLst>
           </p:cNvPr>
@@ -2003,7 +2003,7 @@
           <a:bodyPr/>
           <a:lstStyle/>
           <a:p>
-            <a:fld id="{0A0ADDF3-E007-444D-B866-B24196715D2F}" type="slidenum">
+            <a:fld id="{6F0B9391-C5D6-4A1B-8978-6C3D79ECC0DA}" type="slidenum">
               <a:rPr lang="zh-CN" altLang="en-US" smtClean="0"/>
               <a:t>‹#›</a:t>
             </a:fld>
@@ -2014,7 +2014,7 @@
     </p:spTree>
     <p:extLst>
       <p:ext uri="{BB962C8B-B14F-4D97-AF65-F5344CB8AC3E}">
-        <p14:creationId xmlns:p14="http://schemas.microsoft.com/office/powerpoint/2010/main" val="1261852196"/>
+        <p14:creationId xmlns:p14="http://schemas.microsoft.com/office/powerpoint/2010/main" val="1970894526"/>
       </p:ext>
     </p:extLst>
   </p:cSld>
@@ -2046,7 +2046,7 @@
           <p:cNvPr id="2" name="日期占位符 1">
             <a:extLst>
               <a:ext uri="{FF2B5EF4-FFF2-40B4-BE49-F238E27FC236}">
-                <a16:creationId xmlns:a16="http://schemas.microsoft.com/office/drawing/2014/main" id="{B3D08929-A6D4-21C0-AB4F-5D4C684D085C}"/>
+                <a16:creationId xmlns:a16="http://schemas.microsoft.com/office/drawing/2014/main" id="{9191F4C7-E17D-C9FA-F57D-1D331DA9BAF9}"/>
               </a:ext>
             </a:extLst>
           </p:cNvPr>
@@ -2062,7 +2062,7 @@
           <a:bodyPr/>
           <a:lstStyle/>
           <a:p>
-            <a:fld id="{B5AE23DF-EEF3-4CE5-8FAB-8D28A052B2F5}" type="datetimeFigureOut">
+            <a:fld id="{597C29E8-F0CA-4E60-8290-1EAAC5ECA5AE}" type="datetimeFigureOut">
               <a:rPr lang="zh-CN" altLang="en-US" smtClean="0"/>
               <a:t>2024/3/10</a:t>
             </a:fld>
@@ -2075,7 +2075,7 @@
           <p:cNvPr id="3" name="页脚占位符 2">
             <a:extLst>
               <a:ext uri="{FF2B5EF4-FFF2-40B4-BE49-F238E27FC236}">
-                <a16:creationId xmlns:a16="http://schemas.microsoft.com/office/drawing/2014/main" id="{4E1218D6-2D4F-037D-96DF-E831D8C7784E}"/>
+                <a16:creationId xmlns:a16="http://schemas.microsoft.com/office/drawing/2014/main" id="{0DD6E1B5-CCFB-4295-7392-627B190E1A0A}"/>
               </a:ext>
             </a:extLst>
           </p:cNvPr>
@@ -2100,7 +2100,7 @@
           <p:cNvPr id="4" name="灯片编号占位符 3">
             <a:extLst>
               <a:ext uri="{FF2B5EF4-FFF2-40B4-BE49-F238E27FC236}">
-                <a16:creationId xmlns:a16="http://schemas.microsoft.com/office/drawing/2014/main" id="{F7B5DE9A-34A4-4A15-513A-B4748458BBBA}"/>
+                <a16:creationId xmlns:a16="http://schemas.microsoft.com/office/drawing/2014/main" id="{685C22BC-71FE-25CC-0CC8-E81B1B264193}"/>
               </a:ext>
             </a:extLst>
           </p:cNvPr>
@@ -2116,7 +2116,7 @@
           <a:bodyPr/>
           <a:lstStyle/>
           <a:p>
-            <a:fld id="{0A0ADDF3-E007-444D-B866-B24196715D2F}" type="slidenum">
+            <a:fld id="{6F0B9391-C5D6-4A1B-8978-6C3D79ECC0DA}" type="slidenum">
               <a:rPr lang="zh-CN" altLang="en-US" smtClean="0"/>
               <a:t>‹#›</a:t>
             </a:fld>
@@ -2127,7 +2127,7 @@
     </p:spTree>
     <p:extLst>
       <p:ext uri="{BB962C8B-B14F-4D97-AF65-F5344CB8AC3E}">
-        <p14:creationId xmlns:p14="http://schemas.microsoft.com/office/powerpoint/2010/main" val="2806882188"/>
+        <p14:creationId xmlns:p14="http://schemas.microsoft.com/office/powerpoint/2010/main" val="4248247267"/>
       </p:ext>
     </p:extLst>
   </p:cSld>
@@ -2159,7 +2159,7 @@
           <p:cNvPr id="2" name="标题 1">
             <a:extLst>
               <a:ext uri="{FF2B5EF4-FFF2-40B4-BE49-F238E27FC236}">
-                <a16:creationId xmlns:a16="http://schemas.microsoft.com/office/drawing/2014/main" id="{9852FE4C-AC69-6A3F-13AD-87AF946B4DAE}"/>
+                <a16:creationId xmlns:a16="http://schemas.microsoft.com/office/drawing/2014/main" id="{F572B4E8-6601-62E8-111A-6CC887947B19}"/>
               </a:ext>
             </a:extLst>
           </p:cNvPr>
@@ -2196,7 +2196,7 @@
           <p:cNvPr id="3" name="内容占位符 2">
             <a:extLst>
               <a:ext uri="{FF2B5EF4-FFF2-40B4-BE49-F238E27FC236}">
-                <a16:creationId xmlns:a16="http://schemas.microsoft.com/office/drawing/2014/main" id="{306867CC-AF00-0EE6-8BF8-6373260440C6}"/>
+                <a16:creationId xmlns:a16="http://schemas.microsoft.com/office/drawing/2014/main" id="{570DA57A-962C-3DC3-E810-20C422A07533}"/>
               </a:ext>
             </a:extLst>
           </p:cNvPr>
@@ -2286,7 +2286,7 @@
           <p:cNvPr id="4" name="文本占位符 3">
             <a:extLst>
               <a:ext uri="{FF2B5EF4-FFF2-40B4-BE49-F238E27FC236}">
-                <a16:creationId xmlns:a16="http://schemas.microsoft.com/office/drawing/2014/main" id="{5F424E4F-A176-5BB2-31F0-098D93EC97BC}"/>
+                <a16:creationId xmlns:a16="http://schemas.microsoft.com/office/drawing/2014/main" id="{AD88CE25-2C6E-FE02-4269-4259EF58E64B}"/>
               </a:ext>
             </a:extLst>
           </p:cNvPr>
@@ -2357,7 +2357,7 @@
           <p:cNvPr id="5" name="日期占位符 4">
             <a:extLst>
               <a:ext uri="{FF2B5EF4-FFF2-40B4-BE49-F238E27FC236}">
-                <a16:creationId xmlns:a16="http://schemas.microsoft.com/office/drawing/2014/main" id="{8B988D42-EF8B-88D5-ABDE-22B1D04D9410}"/>
+                <a16:creationId xmlns:a16="http://schemas.microsoft.com/office/drawing/2014/main" id="{5BCEA18F-40E7-73FD-D535-C31878A17083}"/>
               </a:ext>
             </a:extLst>
           </p:cNvPr>
@@ -2373,7 +2373,7 @@
           <a:bodyPr/>
           <a:lstStyle/>
           <a:p>
-            <a:fld id="{B5AE23DF-EEF3-4CE5-8FAB-8D28A052B2F5}" type="datetimeFigureOut">
+            <a:fld id="{597C29E8-F0CA-4E60-8290-1EAAC5ECA5AE}" type="datetimeFigureOut">
               <a:rPr lang="zh-CN" altLang="en-US" smtClean="0"/>
               <a:t>2024/3/10</a:t>
             </a:fld>
@@ -2386,7 +2386,7 @@
           <p:cNvPr id="6" name="页脚占位符 5">
             <a:extLst>
               <a:ext uri="{FF2B5EF4-FFF2-40B4-BE49-F238E27FC236}">
-                <a16:creationId xmlns:a16="http://schemas.microsoft.com/office/drawing/2014/main" id="{87E08E65-F082-060E-5469-2108E01099C5}"/>
+                <a16:creationId xmlns:a16="http://schemas.microsoft.com/office/drawing/2014/main" id="{C284D387-FE0B-E2D7-7A6F-075A707E0CDF}"/>
               </a:ext>
             </a:extLst>
           </p:cNvPr>
@@ -2411,7 +2411,7 @@
           <p:cNvPr id="7" name="灯片编号占位符 6">
             <a:extLst>
               <a:ext uri="{FF2B5EF4-FFF2-40B4-BE49-F238E27FC236}">
-                <a16:creationId xmlns:a16="http://schemas.microsoft.com/office/drawing/2014/main" id="{FFEDEFA3-D7CD-2F5E-DE1C-4E031E666F70}"/>
+                <a16:creationId xmlns:a16="http://schemas.microsoft.com/office/drawing/2014/main" id="{DB0D2CB3-8E3E-C63F-2147-05FC4099F823}"/>
               </a:ext>
             </a:extLst>
           </p:cNvPr>
@@ -2427,7 +2427,7 @@
           <a:bodyPr/>
           <a:lstStyle/>
           <a:p>
-            <a:fld id="{0A0ADDF3-E007-444D-B866-B24196715D2F}" type="slidenum">
+            <a:fld id="{6F0B9391-C5D6-4A1B-8978-6C3D79ECC0DA}" type="slidenum">
               <a:rPr lang="zh-CN" altLang="en-US" smtClean="0"/>
               <a:t>‹#›</a:t>
             </a:fld>
@@ -2438,7 +2438,7 @@
     </p:spTree>
     <p:extLst>
       <p:ext uri="{BB962C8B-B14F-4D97-AF65-F5344CB8AC3E}">
-        <p14:creationId xmlns:p14="http://schemas.microsoft.com/office/powerpoint/2010/main" val="1531862118"/>
+        <p14:creationId xmlns:p14="http://schemas.microsoft.com/office/powerpoint/2010/main" val="863904307"/>
       </p:ext>
     </p:extLst>
   </p:cSld>
@@ -2470,7 +2470,7 @@
           <p:cNvPr id="2" name="标题 1">
             <a:extLst>
               <a:ext uri="{FF2B5EF4-FFF2-40B4-BE49-F238E27FC236}">
-                <a16:creationId xmlns:a16="http://schemas.microsoft.com/office/drawing/2014/main" id="{618FECCD-5DF1-F25C-FF55-CDD9EC9940B6}"/>
+                <a16:creationId xmlns:a16="http://schemas.microsoft.com/office/drawing/2014/main" id="{24D27D20-2874-09D8-AB61-570CFFDCD2E7}"/>
               </a:ext>
             </a:extLst>
           </p:cNvPr>
@@ -2507,7 +2507,7 @@
           <p:cNvPr id="3" name="图片占位符 2">
             <a:extLst>
               <a:ext uri="{FF2B5EF4-FFF2-40B4-BE49-F238E27FC236}">
-                <a16:creationId xmlns:a16="http://schemas.microsoft.com/office/drawing/2014/main" id="{07F4E78C-512C-9582-19D5-609497A5B8E6}"/>
+                <a16:creationId xmlns:a16="http://schemas.microsoft.com/office/drawing/2014/main" id="{B3328460-90BF-7855-23CA-95CD490DC53C}"/>
               </a:ext>
             </a:extLst>
           </p:cNvPr>
@@ -2574,7 +2574,7 @@
           <p:cNvPr id="4" name="文本占位符 3">
             <a:extLst>
               <a:ext uri="{FF2B5EF4-FFF2-40B4-BE49-F238E27FC236}">
-                <a16:creationId xmlns:a16="http://schemas.microsoft.com/office/drawing/2014/main" id="{BA2B5C3C-938F-C5C3-1CD4-9CB8DDBDA83F}"/>
+                <a16:creationId xmlns:a16="http://schemas.microsoft.com/office/drawing/2014/main" id="{884D8D33-E7A6-F168-F132-FE136154B9C1}"/>
               </a:ext>
             </a:extLst>
           </p:cNvPr>
@@ -2645,7 +2645,7 @@
           <p:cNvPr id="5" name="日期占位符 4">
             <a:extLst>
               <a:ext uri="{FF2B5EF4-FFF2-40B4-BE49-F238E27FC236}">
-                <a16:creationId xmlns:a16="http://schemas.microsoft.com/office/drawing/2014/main" id="{446EE1EC-1631-C606-44E5-FBE4714BED4C}"/>
+                <a16:creationId xmlns:a16="http://schemas.microsoft.com/office/drawing/2014/main" id="{00B0563D-1DA5-00B8-508F-C229A793C11C}"/>
               </a:ext>
             </a:extLst>
           </p:cNvPr>
@@ -2661,7 +2661,7 @@
           <a:bodyPr/>
           <a:lstStyle/>
           <a:p>
-            <a:fld id="{B5AE23DF-EEF3-4CE5-8FAB-8D28A052B2F5}" type="datetimeFigureOut">
+            <a:fld id="{597C29E8-F0CA-4E60-8290-1EAAC5ECA5AE}" type="datetimeFigureOut">
               <a:rPr lang="zh-CN" altLang="en-US" smtClean="0"/>
               <a:t>2024/3/10</a:t>
             </a:fld>
@@ -2674,7 +2674,7 @@
           <p:cNvPr id="6" name="页脚占位符 5">
             <a:extLst>
               <a:ext uri="{FF2B5EF4-FFF2-40B4-BE49-F238E27FC236}">
-                <a16:creationId xmlns:a16="http://schemas.microsoft.com/office/drawing/2014/main" id="{DAB20522-75CC-00F7-7256-B829B6795851}"/>
+                <a16:creationId xmlns:a16="http://schemas.microsoft.com/office/drawing/2014/main" id="{1DD7032F-9843-4055-5785-59390C8FD57D}"/>
               </a:ext>
             </a:extLst>
           </p:cNvPr>
@@ -2699,7 +2699,7 @@
           <p:cNvPr id="7" name="灯片编号占位符 6">
             <a:extLst>
               <a:ext uri="{FF2B5EF4-FFF2-40B4-BE49-F238E27FC236}">
-                <a16:creationId xmlns:a16="http://schemas.microsoft.com/office/drawing/2014/main" id="{E2D86364-3520-64F5-EB55-B70619DB26A7}"/>
+                <a16:creationId xmlns:a16="http://schemas.microsoft.com/office/drawing/2014/main" id="{A4906AB2-2D60-A3F7-0819-BAC0ED2359A5}"/>
               </a:ext>
             </a:extLst>
           </p:cNvPr>
@@ -2715,7 +2715,7 @@
           <a:bodyPr/>
           <a:lstStyle/>
           <a:p>
-            <a:fld id="{0A0ADDF3-E007-444D-B866-B24196715D2F}" type="slidenum">
+            <a:fld id="{6F0B9391-C5D6-4A1B-8978-6C3D79ECC0DA}" type="slidenum">
               <a:rPr lang="zh-CN" altLang="en-US" smtClean="0"/>
               <a:t>‹#›</a:t>
             </a:fld>
@@ -2726,7 +2726,7 @@
     </p:spTree>
     <p:extLst>
       <p:ext uri="{BB962C8B-B14F-4D97-AF65-F5344CB8AC3E}">
-        <p14:creationId xmlns:p14="http://schemas.microsoft.com/office/powerpoint/2010/main" val="1623786689"/>
+        <p14:creationId xmlns:p14="http://schemas.microsoft.com/office/powerpoint/2010/main" val="2724989187"/>
       </p:ext>
     </p:extLst>
   </p:cSld>
@@ -2763,7 +2763,7 @@
           <p:cNvPr id="2" name="标题占位符 1">
             <a:extLst>
               <a:ext uri="{FF2B5EF4-FFF2-40B4-BE49-F238E27FC236}">
-                <a16:creationId xmlns:a16="http://schemas.microsoft.com/office/drawing/2014/main" id="{A958ED98-E5D1-DA3F-19C2-59E3AF4818E6}"/>
+                <a16:creationId xmlns:a16="http://schemas.microsoft.com/office/drawing/2014/main" id="{119F6F61-3165-FF9A-2467-919E3EAA2325}"/>
               </a:ext>
             </a:extLst>
           </p:cNvPr>
@@ -2801,7 +2801,7 @@
           <p:cNvPr id="3" name="文本占位符 2">
             <a:extLst>
               <a:ext uri="{FF2B5EF4-FFF2-40B4-BE49-F238E27FC236}">
-                <a16:creationId xmlns:a16="http://schemas.microsoft.com/office/drawing/2014/main" id="{1683BA93-EA12-8889-1A22-0D2E4767B779}"/>
+                <a16:creationId xmlns:a16="http://schemas.microsoft.com/office/drawing/2014/main" id="{4663A7A8-67DA-8F2B-CE4B-B7138E48C15A}"/>
               </a:ext>
             </a:extLst>
           </p:cNvPr>
@@ -2868,7 +2868,7 @@
           <p:cNvPr id="4" name="日期占位符 3">
             <a:extLst>
               <a:ext uri="{FF2B5EF4-FFF2-40B4-BE49-F238E27FC236}">
-                <a16:creationId xmlns:a16="http://schemas.microsoft.com/office/drawing/2014/main" id="{91789E51-7F11-A48C-B9B5-688AE422F336}"/>
+                <a16:creationId xmlns:a16="http://schemas.microsoft.com/office/drawing/2014/main" id="{76350D6B-4181-EB4A-EC52-08CB9F7DCF5B}"/>
               </a:ext>
             </a:extLst>
           </p:cNvPr>
@@ -2902,7 +2902,7 @@
             </a:lvl1pPr>
           </a:lstStyle>
           <a:p>
-            <a:fld id="{B5AE23DF-EEF3-4CE5-8FAB-8D28A052B2F5}" type="datetimeFigureOut">
+            <a:fld id="{597C29E8-F0CA-4E60-8290-1EAAC5ECA5AE}" type="datetimeFigureOut">
               <a:rPr lang="zh-CN" altLang="en-US" smtClean="0"/>
               <a:t>2024/3/10</a:t>
             </a:fld>
@@ -2915,7 +2915,7 @@
           <p:cNvPr id="5" name="页脚占位符 4">
             <a:extLst>
               <a:ext uri="{FF2B5EF4-FFF2-40B4-BE49-F238E27FC236}">
-                <a16:creationId xmlns:a16="http://schemas.microsoft.com/office/drawing/2014/main" id="{CC71BD41-5716-8303-F5D4-6D84E60D449B}"/>
+                <a16:creationId xmlns:a16="http://schemas.microsoft.com/office/drawing/2014/main" id="{9430ACB9-BB82-B767-6F74-434E3821EAE9}"/>
               </a:ext>
             </a:extLst>
           </p:cNvPr>
@@ -2958,7 +2958,7 @@
           <p:cNvPr id="6" name="灯片编号占位符 5">
             <a:extLst>
               <a:ext uri="{FF2B5EF4-FFF2-40B4-BE49-F238E27FC236}">
-                <a16:creationId xmlns:a16="http://schemas.microsoft.com/office/drawing/2014/main" id="{1D221DD7-55B3-C0C6-92C2-A79D97624327}"/>
+                <a16:creationId xmlns:a16="http://schemas.microsoft.com/office/drawing/2014/main" id="{4475032E-1D0C-8D93-0BCE-D99BA3828AA9}"/>
               </a:ext>
             </a:extLst>
           </p:cNvPr>
@@ -2992,7 +2992,7 @@
             </a:lvl1pPr>
           </a:lstStyle>
           <a:p>
-            <a:fld id="{0A0ADDF3-E007-444D-B866-B24196715D2F}" type="slidenum">
+            <a:fld id="{6F0B9391-C5D6-4A1B-8978-6C3D79ECC0DA}" type="slidenum">
               <a:rPr lang="zh-CN" altLang="en-US" smtClean="0"/>
               <a:t>‹#›</a:t>
             </a:fld>
@@ -3003,7 +3003,7 @@
     </p:spTree>
     <p:extLst>
       <p:ext uri="{BB962C8B-B14F-4D97-AF65-F5344CB8AC3E}">
-        <p14:creationId xmlns:p14="http://schemas.microsoft.com/office/powerpoint/2010/main" val="2417381987"/>
+        <p14:creationId xmlns:p14="http://schemas.microsoft.com/office/powerpoint/2010/main" val="3903294870"/>
       </p:ext>
     </p:extLst>
   </p:cSld>
@@ -3323,7 +3323,7 @@
       </p:grpSpPr>
       <p:pic>
         <p:nvPicPr>
-          <p:cNvPr id="217090" name="Picture 2" descr="211"/>
+          <p:cNvPr id="218114" name="Picture 2" descr="212"/>
           <p:cNvPicPr>
             <a:picLocks noChangeAspect="1" noChangeArrowheads="1"/>
           </p:cNvPicPr>
@@ -3375,11 +3375,158 @@
           </a:extLst>
         </p:spPr>
       </p:pic>
+      <p:pic>
+        <p:nvPicPr>
+          <p:cNvPr id="219139" name="Picture 3" descr="212-2"/>
+          <p:cNvPicPr>
+            <a:picLocks noChangeAspect="1" noChangeArrowheads="1"/>
+          </p:cNvPicPr>
+          <p:nvPr/>
+        </p:nvPicPr>
+        <p:blipFill>
+          <a:blip r:embed="rId3">
+            <a:extLst>
+              <a:ext uri="{28A0092B-C50C-407E-A947-70E740481C1C}">
+                <a14:useLocalDpi xmlns:a14="http://schemas.microsoft.com/office/drawing/2010/main" val="0"/>
+              </a:ext>
+            </a:extLst>
+          </a:blip>
+          <a:srcRect/>
+          <a:stretch>
+            <a:fillRect/>
+          </a:stretch>
+        </p:blipFill>
+        <p:spPr bwMode="auto">
+          <a:xfrm>
+            <a:off x="1524000" y="0"/>
+            <a:ext cx="9144000" cy="6859588"/>
+          </a:xfrm>
+          <a:prstGeom prst="rect">
+            <a:avLst/>
+          </a:prstGeom>
+          <a:noFill/>
+          <a:ln>
+            <a:noFill/>
+          </a:ln>
+          <a:effectLst/>
+          <a:extLst>
+            <a:ext uri="{909E8E84-426E-40DD-AFC4-6F175D3DCCD1}">
+              <a14:hiddenFill xmlns:a14="http://schemas.microsoft.com/office/drawing/2010/main">
+                <a:solidFill>
+                  <a:srgbClr val="FFFFFF"/>
+                </a:solidFill>
+              </a14:hiddenFill>
+            </a:ext>
+            <a:ext uri="{91240B29-F687-4F45-9708-019B960494DF}">
+              <a14:hiddenLine xmlns:a14="http://schemas.microsoft.com/office/drawing/2010/main" w="9525">
+                <a:solidFill>
+                  <a:srgbClr val="000000"/>
+                </a:solidFill>
+                <a:miter lim="800000"/>
+                <a:headEnd/>
+                <a:tailEnd/>
+              </a14:hiddenLine>
+            </a:ext>
+            <a:ext uri="{AF507438-7753-43E0-B8FC-AC1667EBCBE1}">
+              <a14:hiddenEffects xmlns:a14="http://schemas.microsoft.com/office/drawing/2010/main">
+                <a:effectLst>
+                  <a:outerShdw dist="35921" dir="2700000" algn="ctr" rotWithShape="0">
+                    <a:srgbClr val="808080"/>
+                  </a:outerShdw>
+                </a:effectLst>
+              </a14:hiddenEffects>
+            </a:ext>
+          </a:extLst>
+        </p:spPr>
+      </p:pic>
     </p:spTree>
   </p:cSld>
   <p:clrMapOvr>
     <a:masterClrMapping/>
   </p:clrMapOvr>
+  <p:timing>
+    <p:tnLst>
+      <p:par>
+        <p:cTn id="1" dur="indefinite" restart="never" nodeType="tmRoot">
+          <p:childTnLst>
+            <p:seq concurrent="1" nextAc="seek">
+              <p:cTn id="2" dur="indefinite" nodeType="mainSeq">
+                <p:childTnLst>
+                  <p:par>
+                    <p:cTn id="3" fill="hold" nodeType="clickPar">
+                      <p:stCondLst>
+                        <p:cond delay="indefinite"/>
+                      </p:stCondLst>
+                      <p:childTnLst>
+                        <p:par>
+                          <p:cTn id="4" fill="hold" nodeType="withGroup">
+                            <p:stCondLst>
+                              <p:cond delay="0"/>
+                            </p:stCondLst>
+                            <p:childTnLst>
+                              <p:par>
+                                <p:cTn id="5" presetID="10" presetClass="entr" presetSubtype="0" fill="hold" nodeType="clickEffect">
+                                  <p:stCondLst>
+                                    <p:cond delay="0"/>
+                                  </p:stCondLst>
+                                  <p:childTnLst>
+                                    <p:set>
+                                      <p:cBhvr>
+                                        <p:cTn id="6" dur="1" fill="hold">
+                                          <p:stCondLst>
+                                            <p:cond delay="0"/>
+                                          </p:stCondLst>
+                                        </p:cTn>
+                                        <p:tgtEl>
+                                          <p:spTgt spid="219139"/>
+                                        </p:tgtEl>
+                                        <p:attrNameLst>
+                                          <p:attrName>style.visibility</p:attrName>
+                                        </p:attrNameLst>
+                                      </p:cBhvr>
+                                      <p:to>
+                                        <p:strVal val="visible"/>
+                                      </p:to>
+                                    </p:set>
+                                    <p:animEffect transition="in" filter="fade">
+                                      <p:cBhvr>
+                                        <p:cTn id="7" dur="500"/>
+                                        <p:tgtEl>
+                                          <p:spTgt spid="219139"/>
+                                        </p:tgtEl>
+                                      </p:cBhvr>
+                                    </p:animEffect>
+                                  </p:childTnLst>
+                                </p:cTn>
+                              </p:par>
+                            </p:childTnLst>
+                          </p:cTn>
+                        </p:par>
+                      </p:childTnLst>
+                    </p:cTn>
+                  </p:par>
+                </p:childTnLst>
+              </p:cTn>
+              <p:prevCondLst>
+                <p:cond evt="onPrev" delay="0">
+                  <p:tgtEl>
+                    <p:sldTgt/>
+                  </p:tgtEl>
+                </p:cond>
+              </p:prevCondLst>
+              <p:nextCondLst>
+                <p:cond evt="onNext" delay="0">
+                  <p:tgtEl>
+                    <p:sldTgt/>
+                  </p:tgtEl>
+                </p:cond>
+              </p:nextCondLst>
+            </p:seq>
+          </p:childTnLst>
+        </p:cTn>
+      </p:par>
+    </p:tnLst>
+  </p:timing>
 </p:sld>
 </file>
 
